--- a/Final Project PPT C.S.P. (1).pptx
+++ b/Final Project PPT C.S.P. (1).pptx
@@ -9,17 +9,18 @@
     <p:sldId id="257" r:id="rId3"/>
     <p:sldId id="266" r:id="rId4"/>
     <p:sldId id="265" r:id="rId5"/>
-    <p:sldId id="268" r:id="rId6"/>
-    <p:sldId id="260" r:id="rId7"/>
-    <p:sldId id="259" r:id="rId8"/>
-    <p:sldId id="262" r:id="rId9"/>
-    <p:sldId id="258" r:id="rId10"/>
-    <p:sldId id="261" r:id="rId11"/>
-    <p:sldId id="263" r:id="rId12"/>
-    <p:sldId id="264" r:id="rId13"/>
-    <p:sldId id="269" r:id="rId14"/>
-    <p:sldId id="267" r:id="rId15"/>
-    <p:sldId id="270" r:id="rId16"/>
+    <p:sldId id="271" r:id="rId6"/>
+    <p:sldId id="268" r:id="rId7"/>
+    <p:sldId id="260" r:id="rId8"/>
+    <p:sldId id="259" r:id="rId9"/>
+    <p:sldId id="262" r:id="rId10"/>
+    <p:sldId id="258" r:id="rId11"/>
+    <p:sldId id="261" r:id="rId12"/>
+    <p:sldId id="263" r:id="rId13"/>
+    <p:sldId id="264" r:id="rId14"/>
+    <p:sldId id="269" r:id="rId15"/>
+    <p:sldId id="267" r:id="rId16"/>
+    <p:sldId id="270" r:id="rId17"/>
   </p:sldIdLst>
   <p:sldSz cx="12192000" cy="6858000"/>
   <p:notesSz cx="6858000" cy="9144000"/>
@@ -273,7 +274,7 @@
           <a:p>
             <a:fld id="{E1ECF77C-0C5B-9F4E-B663-5211995E9E66}" type="datetimeFigureOut">
               <a:rPr lang="en-US" smtClean="0"/>
-              <a:t>5/23/20</a:t>
+              <a:t>5/23/2020</a:t>
             </a:fld>
             <a:endParaRPr lang="en-US"/>
           </a:p>
@@ -471,7 +472,7 @@
           <a:p>
             <a:fld id="{E1ECF77C-0C5B-9F4E-B663-5211995E9E66}" type="datetimeFigureOut">
               <a:rPr lang="en-US" smtClean="0"/>
-              <a:t>5/23/20</a:t>
+              <a:t>5/23/2020</a:t>
             </a:fld>
             <a:endParaRPr lang="en-US"/>
           </a:p>
@@ -679,7 +680,7 @@
           <a:p>
             <a:fld id="{E1ECF77C-0C5B-9F4E-B663-5211995E9E66}" type="datetimeFigureOut">
               <a:rPr lang="en-US" smtClean="0"/>
-              <a:t>5/23/20</a:t>
+              <a:t>5/23/2020</a:t>
             </a:fld>
             <a:endParaRPr lang="en-US"/>
           </a:p>
@@ -877,7 +878,7 @@
           <a:p>
             <a:fld id="{E1ECF77C-0C5B-9F4E-B663-5211995E9E66}" type="datetimeFigureOut">
               <a:rPr lang="en-US" smtClean="0"/>
-              <a:t>5/23/20</a:t>
+              <a:t>5/23/2020</a:t>
             </a:fld>
             <a:endParaRPr lang="en-US"/>
           </a:p>
@@ -1152,7 +1153,7 @@
           <a:p>
             <a:fld id="{E1ECF77C-0C5B-9F4E-B663-5211995E9E66}" type="datetimeFigureOut">
               <a:rPr lang="en-US" smtClean="0"/>
-              <a:t>5/23/20</a:t>
+              <a:t>5/23/2020</a:t>
             </a:fld>
             <a:endParaRPr lang="en-US"/>
           </a:p>
@@ -1417,7 +1418,7 @@
           <a:p>
             <a:fld id="{E1ECF77C-0C5B-9F4E-B663-5211995E9E66}" type="datetimeFigureOut">
               <a:rPr lang="en-US" smtClean="0"/>
-              <a:t>5/23/20</a:t>
+              <a:t>5/23/2020</a:t>
             </a:fld>
             <a:endParaRPr lang="en-US"/>
           </a:p>
@@ -1829,7 +1830,7 @@
           <a:p>
             <a:fld id="{E1ECF77C-0C5B-9F4E-B663-5211995E9E66}" type="datetimeFigureOut">
               <a:rPr lang="en-US" smtClean="0"/>
-              <a:t>5/23/20</a:t>
+              <a:t>5/23/2020</a:t>
             </a:fld>
             <a:endParaRPr lang="en-US"/>
           </a:p>
@@ -1970,7 +1971,7 @@
           <a:p>
             <a:fld id="{E1ECF77C-0C5B-9F4E-B663-5211995E9E66}" type="datetimeFigureOut">
               <a:rPr lang="en-US" smtClean="0"/>
-              <a:t>5/23/20</a:t>
+              <a:t>5/23/2020</a:t>
             </a:fld>
             <a:endParaRPr lang="en-US"/>
           </a:p>
@@ -2083,7 +2084,7 @@
           <a:p>
             <a:fld id="{E1ECF77C-0C5B-9F4E-B663-5211995E9E66}" type="datetimeFigureOut">
               <a:rPr lang="en-US" smtClean="0"/>
-              <a:t>5/23/20</a:t>
+              <a:t>5/23/2020</a:t>
             </a:fld>
             <a:endParaRPr lang="en-US"/>
           </a:p>
@@ -2394,7 +2395,7 @@
           <a:p>
             <a:fld id="{E1ECF77C-0C5B-9F4E-B663-5211995E9E66}" type="datetimeFigureOut">
               <a:rPr lang="en-US" smtClean="0"/>
-              <a:t>5/23/20</a:t>
+              <a:t>5/23/2020</a:t>
             </a:fld>
             <a:endParaRPr lang="en-US"/>
           </a:p>
@@ -2682,7 +2683,7 @@
           <a:p>
             <a:fld id="{E1ECF77C-0C5B-9F4E-B663-5211995E9E66}" type="datetimeFigureOut">
               <a:rPr lang="en-US" smtClean="0"/>
-              <a:t>5/23/20</a:t>
+              <a:t>5/23/2020</a:t>
             </a:fld>
             <a:endParaRPr lang="en-US"/>
           </a:p>
@@ -2923,7 +2924,7 @@
           <a:p>
             <a:fld id="{E1ECF77C-0C5B-9F4E-B663-5211995E9E66}" type="datetimeFigureOut">
               <a:rPr lang="en-US" smtClean="0"/>
-              <a:t>5/23/20</a:t>
+              <a:t>5/23/2020</a:t>
             </a:fld>
             <a:endParaRPr lang="en-US"/>
           </a:p>
@@ -3599,7 +3600,7 @@
       </p:grpSpPr>
       <p:sp>
         <p:nvSpPr>
-          <p:cNvPr id="8" name="Rectangle 7">
+          <p:cNvPr id="10" name="Rectangle 7">
             <a:extLst>
               <a:ext uri="{FF2B5EF4-FFF2-40B4-BE49-F238E27FC236}">
                 <a16:creationId xmlns:a16="http://schemas.microsoft.com/office/drawing/2014/main" id="{F73237BA-B351-4CD4-898F-CF296CA2D418}"/>
@@ -3665,6 +3666,216 @@
           <p:cNvPr id="2" name="Title 1">
             <a:extLst>
               <a:ext uri="{FF2B5EF4-FFF2-40B4-BE49-F238E27FC236}">
+                <a16:creationId xmlns:a16="http://schemas.microsoft.com/office/drawing/2014/main" id="{E88551B5-3D4D-B940-852C-C465E5CFFFD1}"/>
+              </a:ext>
+            </a:extLst>
+          </p:cNvPr>
+          <p:cNvSpPr>
+            <a:spLocks noGrp="1"/>
+          </p:cNvSpPr>
+          <p:nvPr>
+            <p:ph type="title"/>
+          </p:nvPr>
+        </p:nvSpPr>
+        <p:spPr>
+          <a:xfrm>
+            <a:off x="958850" y="717550"/>
+            <a:ext cx="3767328" cy="5095421"/>
+          </a:xfrm>
+        </p:spPr>
+        <p:txBody>
+          <a:bodyPr anchor="ctr">
+            <a:normAutofit/>
+          </a:bodyPr>
+          <a:lstStyle/>
+          <a:p>
+            <a:r>
+              <a:rPr lang="en-US">
+                <a:solidFill>
+                  <a:srgbClr val="FFFFFF"/>
+                </a:solidFill>
+                <a:latin typeface="+mn-lt"/>
+              </a:rPr>
+              <a:t>Machine Learning</a:t>
+            </a:r>
+          </a:p>
+        </p:txBody>
+      </p:sp>
+      <p:sp>
+        <p:nvSpPr>
+          <p:cNvPr id="3" name="Content Placeholder 2">
+            <a:extLst>
+              <a:ext uri="{FF2B5EF4-FFF2-40B4-BE49-F238E27FC236}">
+                <a16:creationId xmlns:a16="http://schemas.microsoft.com/office/drawing/2014/main" id="{279509C3-CF28-5148-B9AA-701167E60776}"/>
+              </a:ext>
+            </a:extLst>
+          </p:cNvPr>
+          <p:cNvSpPr>
+            <a:spLocks noGrp="1"/>
+          </p:cNvSpPr>
+          <p:nvPr>
+            <p:ph idx="1"/>
+          </p:nvPr>
+        </p:nvSpPr>
+        <p:spPr>
+          <a:xfrm>
+            <a:off x="5333999" y="717550"/>
+            <a:ext cx="5899151" cy="5095421"/>
+          </a:xfrm>
+        </p:spPr>
+        <p:txBody>
+          <a:bodyPr anchor="ctr">
+            <a:normAutofit/>
+          </a:bodyPr>
+          <a:lstStyle/>
+          <a:p>
+            <a:r>
+              <a:rPr lang="en-US" sz="2200">
+                <a:solidFill>
+                  <a:srgbClr val="FFFFFF"/>
+                </a:solidFill>
+              </a:rPr>
+              <a:t>We started by using OneHotEncoder to categorize Time of Day and Station Number. We then merged the two dataframes with the binary information.</a:t>
+            </a:r>
+          </a:p>
+          <a:p>
+            <a:r>
+              <a:rPr lang="en-US" sz="2200">
+                <a:solidFill>
+                  <a:srgbClr val="FFFFFF"/>
+                </a:solidFill>
+              </a:rPr>
+              <a:t>We then assigned our x and y and fed them into the train test learn function to show our prediction.</a:t>
+            </a:r>
+          </a:p>
+          <a:p>
+            <a:r>
+              <a:rPr lang="en-US" sz="2200">
+                <a:solidFill>
+                  <a:srgbClr val="FFFFFF"/>
+                </a:solidFill>
+              </a:rPr>
+              <a:t>We ran a random forest regression. This showed that no strong correlation could be found to predict if weather has an impact on Turn Around Time.</a:t>
+            </a:r>
+          </a:p>
+          <a:p>
+            <a:r>
+              <a:rPr lang="en-US" sz="2200">
+                <a:solidFill>
+                  <a:srgbClr val="FFFFFF"/>
+                </a:solidFill>
+              </a:rPr>
+              <a:t>We ran features importance function to show how the machine is weighting each feature. We also used rf.predict to show some of our predicted values.</a:t>
+            </a:r>
+          </a:p>
+        </p:txBody>
+      </p:sp>
+    </p:spTree>
+    <p:extLst>
+      <p:ext uri="{BB962C8B-B14F-4D97-AF65-F5344CB8AC3E}">
+        <p14:creationId xmlns:p14="http://schemas.microsoft.com/office/powerpoint/2010/main" val="3091339269"/>
+      </p:ext>
+    </p:extLst>
+  </p:cSld>
+  <p:clrMapOvr>
+    <a:masterClrMapping/>
+  </p:clrMapOvr>
+</p:sld>
+</file>
+
+<file path=ppt/slides/slide11.xml><?xml version="1.0" encoding="utf-8"?>
+<p:sld xmlns:a="http://schemas.openxmlformats.org/drawingml/2006/main" xmlns:r="http://schemas.openxmlformats.org/officeDocument/2006/relationships" xmlns:p="http://schemas.openxmlformats.org/presentationml/2006/main">
+  <p:cSld>
+    <p:bg>
+      <p:bgPr>
+        <a:solidFill>
+          <a:schemeClr val="bg1"/>
+        </a:solidFill>
+        <a:effectLst/>
+      </p:bgPr>
+    </p:bg>
+    <p:spTree>
+      <p:nvGrpSpPr>
+        <p:cNvPr id="1" name=""/>
+        <p:cNvGrpSpPr/>
+        <p:nvPr/>
+      </p:nvGrpSpPr>
+      <p:grpSpPr>
+        <a:xfrm>
+          <a:off x="0" y="0"/>
+          <a:ext cx="0" cy="0"/>
+          <a:chOff x="0" y="0"/>
+          <a:chExt cx="0" cy="0"/>
+        </a:xfrm>
+      </p:grpSpPr>
+      <p:sp>
+        <p:nvSpPr>
+          <p:cNvPr id="8" name="Rectangle 7">
+            <a:extLst>
+              <a:ext uri="{FF2B5EF4-FFF2-40B4-BE49-F238E27FC236}">
+                <a16:creationId xmlns:a16="http://schemas.microsoft.com/office/drawing/2014/main" id="{F73237BA-B351-4CD4-898F-CF296CA2D418}"/>
+              </a:ext>
+              <a:ext uri="{C183D7F6-B498-43B3-948B-1728B52AA6E4}">
+                <adec:decorative xmlns:adec="http://schemas.microsoft.com/office/drawing/2017/decorative" val="1"/>
+              </a:ext>
+            </a:extLst>
+          </p:cNvPr>
+          <p:cNvSpPr>
+            <a:spLocks noGrp="1" noRot="1" noChangeAspect="1" noMove="1" noResize="1" noEditPoints="1" noAdjustHandles="1" noChangeArrowheads="1" noChangeShapeType="1" noTextEdit="1"/>
+          </p:cNvSpPr>
+          <p:nvPr>
+            <p:extLst>
+              <p:ext uri="{386F3935-93C4-4BCD-93E2-E3B085C9AB24}">
+                <p16:designElem xmlns:p16="http://schemas.microsoft.com/office/powerpoint/2015/main" val="1"/>
+              </p:ext>
+            </p:extLst>
+          </p:nvPr>
+        </p:nvSpPr>
+        <p:spPr>
+          <a:xfrm>
+            <a:off x="555625" y="381000"/>
+            <a:ext cx="11080750" cy="5759450"/>
+          </a:xfrm>
+          <a:prstGeom prst="rect">
+            <a:avLst/>
+          </a:prstGeom>
+          <a:solidFill>
+            <a:schemeClr val="accent1"/>
+          </a:solidFill>
+          <a:ln>
+            <a:noFill/>
+          </a:ln>
+        </p:spPr>
+        <p:style>
+          <a:lnRef idx="2">
+            <a:schemeClr val="accent1">
+              <a:shade val="50000"/>
+            </a:schemeClr>
+          </a:lnRef>
+          <a:fillRef idx="1">
+            <a:schemeClr val="accent1"/>
+          </a:fillRef>
+          <a:effectRef idx="0">
+            <a:schemeClr val="accent1"/>
+          </a:effectRef>
+          <a:fontRef idx="minor">
+            <a:schemeClr val="lt1"/>
+          </a:fontRef>
+        </p:style>
+        <p:txBody>
+          <a:bodyPr rtlCol="0" anchor="ctr"/>
+          <a:lstStyle/>
+          <a:p>
+            <a:pPr algn="ctr"/>
+            <a:endParaRPr lang="en-US"/>
+          </a:p>
+        </p:txBody>
+      </p:sp>
+      <p:sp>
+        <p:nvSpPr>
+          <p:cNvPr id="2" name="Title 1">
+            <a:extLst>
+              <a:ext uri="{FF2B5EF4-FFF2-40B4-BE49-F238E27FC236}">
                 <a16:creationId xmlns:a16="http://schemas.microsoft.com/office/drawing/2014/main" id="{3D928AF5-504A-1740-9FC7-7083EFB2FB98}"/>
               </a:ext>
             </a:extLst>
@@ -3772,7 +3983,7 @@
 </p:sld>
 </file>
 
-<file path=ppt/slides/slide11.xml><?xml version="1.0" encoding="utf-8"?>
+<file path=ppt/slides/slide12.xml><?xml version="1.0" encoding="utf-8"?>
 <p:sld xmlns:a="http://schemas.openxmlformats.org/drawingml/2006/main" xmlns:r="http://schemas.openxmlformats.org/officeDocument/2006/relationships" xmlns:p="http://schemas.openxmlformats.org/presentationml/2006/main">
   <p:cSld>
     <p:bg>
@@ -4256,7 +4467,7 @@
 </p:sld>
 </file>
 
-<file path=ppt/slides/slide12.xml><?xml version="1.0" encoding="utf-8"?>
+<file path=ppt/slides/slide13.xml><?xml version="1.0" encoding="utf-8"?>
 <p:sld xmlns:a="http://schemas.openxmlformats.org/drawingml/2006/main" xmlns:r="http://schemas.openxmlformats.org/officeDocument/2006/relationships" xmlns:p="http://schemas.openxmlformats.org/presentationml/2006/main">
   <p:cSld>
     <p:bg>
@@ -4809,7 +5020,7 @@
 </p:sld>
 </file>
 
-<file path=ppt/slides/slide13.xml><?xml version="1.0" encoding="utf-8"?>
+<file path=ppt/slides/slide14.xml><?xml version="1.0" encoding="utf-8"?>
 <p:sld xmlns:a="http://schemas.openxmlformats.org/drawingml/2006/main" xmlns:r="http://schemas.openxmlformats.org/officeDocument/2006/relationships" xmlns:p="http://schemas.openxmlformats.org/presentationml/2006/main">
   <p:cSld>
     <p:bg>
@@ -5137,7 +5348,7 @@
 </p:sld>
 </file>
 
-<file path=ppt/slides/slide14.xml><?xml version="1.0" encoding="utf-8"?>
+<file path=ppt/slides/slide15.xml><?xml version="1.0" encoding="utf-8"?>
 <p:sld xmlns:a="http://schemas.openxmlformats.org/drawingml/2006/main" xmlns:r="http://schemas.openxmlformats.org/officeDocument/2006/relationships" xmlns:p="http://schemas.openxmlformats.org/presentationml/2006/main">
   <p:cSld>
     <p:bg>
@@ -5311,9 +5522,17 @@
 </p:sld>
 </file>
 
-<file path=ppt/slides/slide15.xml><?xml version="1.0" encoding="utf-8"?>
+<file path=ppt/slides/slide16.xml><?xml version="1.0" encoding="utf-8"?>
 <p:sld xmlns:a="http://schemas.openxmlformats.org/drawingml/2006/main" xmlns:r="http://schemas.openxmlformats.org/officeDocument/2006/relationships" xmlns:p="http://schemas.openxmlformats.org/presentationml/2006/main">
   <p:cSld>
+    <p:bg>
+      <p:bgPr>
+        <a:solidFill>
+          <a:schemeClr val="bg1"/>
+        </a:solidFill>
+        <a:effectLst/>
+      </p:bgPr>
+    </p:bg>
     <p:spTree>
       <p:nvGrpSpPr>
         <p:cNvPr id="1" name=""/>
@@ -5330,6 +5549,135 @@
       </p:grpSpPr>
       <p:sp>
         <p:nvSpPr>
+          <p:cNvPr id="15" name="Rectangle 6">
+            <a:extLst>
+              <a:ext uri="{FF2B5EF4-FFF2-40B4-BE49-F238E27FC236}">
+                <a16:creationId xmlns:a16="http://schemas.microsoft.com/office/drawing/2014/main" id="{BC3E1C3D-633C-4756-B09B-9AD080714C9F}"/>
+              </a:ext>
+              <a:ext uri="{C183D7F6-B498-43B3-948B-1728B52AA6E4}">
+                <adec:decorative xmlns:adec="http://schemas.microsoft.com/office/drawing/2017/decorative" val="1"/>
+              </a:ext>
+            </a:extLst>
+          </p:cNvPr>
+          <p:cNvSpPr>
+            <a:spLocks noGrp="1" noRot="1" noChangeAspect="1" noMove="1" noResize="1" noEditPoints="1" noAdjustHandles="1" noChangeArrowheads="1" noChangeShapeType="1" noTextEdit="1"/>
+          </p:cNvSpPr>
+          <p:nvPr>
+            <p:extLst>
+              <p:ext uri="{386F3935-93C4-4BCD-93E2-E3B085C9AB24}">
+                <p16:designElem xmlns:p16="http://schemas.microsoft.com/office/powerpoint/2015/main" val="1"/>
+              </p:ext>
+            </p:extLst>
+          </p:nvPr>
+        </p:nvSpPr>
+        <p:spPr>
+          <a:xfrm>
+            <a:off x="636668" y="640080"/>
+            <a:ext cx="10915252" cy="5263134"/>
+          </a:xfrm>
+          <a:prstGeom prst="rect">
+            <a:avLst/>
+          </a:prstGeom>
+          <a:noFill/>
+          <a:ln w="31750" cap="sq">
+            <a:solidFill>
+              <a:schemeClr val="accent1"/>
+            </a:solidFill>
+            <a:miter lim="800000"/>
+          </a:ln>
+        </p:spPr>
+        <p:style>
+          <a:lnRef idx="2">
+            <a:schemeClr val="accent1">
+              <a:shade val="50000"/>
+            </a:schemeClr>
+          </a:lnRef>
+          <a:fillRef idx="1">
+            <a:schemeClr val="accent1"/>
+          </a:fillRef>
+          <a:effectRef idx="0">
+            <a:schemeClr val="accent1"/>
+          </a:effectRef>
+          <a:fontRef idx="minor">
+            <a:schemeClr val="lt1"/>
+          </a:fontRef>
+        </p:style>
+        <p:txBody>
+          <a:bodyPr rtlCol="0" anchor="ctr"/>
+          <a:lstStyle/>
+          <a:p>
+            <a:pPr algn="ctr"/>
+            <a:endParaRPr lang="en-US" dirty="0"/>
+          </a:p>
+        </p:txBody>
+      </p:sp>
+      <p:sp>
+        <p:nvSpPr>
+          <p:cNvPr id="16" name="Rectangle 8">
+            <a:extLst>
+              <a:ext uri="{FF2B5EF4-FFF2-40B4-BE49-F238E27FC236}">
+                <a16:creationId xmlns:a16="http://schemas.microsoft.com/office/drawing/2014/main" id="{1295DAF8-54BC-4834-A4B1-7DD2F7AFE5A3}"/>
+              </a:ext>
+              <a:ext uri="{C183D7F6-B498-43B3-948B-1728B52AA6E4}">
+                <adec:decorative xmlns:adec="http://schemas.microsoft.com/office/drawing/2017/decorative" val="1"/>
+              </a:ext>
+            </a:extLst>
+          </p:cNvPr>
+          <p:cNvSpPr>
+            <a:spLocks noGrp="1" noRot="1" noChangeAspect="1" noMove="1" noResize="1" noEditPoints="1" noAdjustHandles="1" noChangeArrowheads="1" noChangeShapeType="1" noTextEdit="1"/>
+          </p:cNvSpPr>
+          <p:nvPr>
+            <p:extLst>
+              <p:ext uri="{386F3935-93C4-4BCD-93E2-E3B085C9AB24}">
+                <p16:designElem xmlns:p16="http://schemas.microsoft.com/office/powerpoint/2015/main" val="1"/>
+              </p:ext>
+            </p:extLst>
+          </p:nvPr>
+        </p:nvSpPr>
+        <p:spPr>
+          <a:xfrm>
+            <a:off x="801520" y="802767"/>
+            <a:ext cx="10585166" cy="4937760"/>
+          </a:xfrm>
+          <a:prstGeom prst="rect">
+            <a:avLst/>
+          </a:prstGeom>
+          <a:solidFill>
+            <a:schemeClr val="accent1">
+              <a:lumMod val="75000"/>
+            </a:schemeClr>
+          </a:solidFill>
+          <a:ln>
+            <a:noFill/>
+          </a:ln>
+        </p:spPr>
+        <p:style>
+          <a:lnRef idx="2">
+            <a:schemeClr val="accent1">
+              <a:shade val="50000"/>
+            </a:schemeClr>
+          </a:lnRef>
+          <a:fillRef idx="1">
+            <a:schemeClr val="accent1"/>
+          </a:fillRef>
+          <a:effectRef idx="0">
+            <a:schemeClr val="accent1"/>
+          </a:effectRef>
+          <a:fontRef idx="minor">
+            <a:schemeClr val="lt1"/>
+          </a:fontRef>
+        </p:style>
+        <p:txBody>
+          <a:bodyPr rtlCol="0" anchor="ctr"/>
+          <a:lstStyle/>
+          <a:p>
+            <a:pPr algn="ctr"/>
+            <a:endParaRPr lang="en-US"/>
+          </a:p>
+        </p:txBody>
+      </p:sp>
+      <p:sp>
+        <p:nvSpPr>
           <p:cNvPr id="2" name="Title 1">
             <a:extLst>
               <a:ext uri="{FF2B5EF4-FFF2-40B4-BE49-F238E27FC236}">
@@ -5346,9 +5694,13 @@
         </p:nvSpPr>
         <p:spPr>
           <a:xfrm>
-            <a:off x="838200" y="365125"/>
-            <a:ext cx="10295238" cy="5578475"/>
-          </a:xfrm>
+            <a:off x="1120624" y="1122807"/>
+            <a:ext cx="9954443" cy="4297680"/>
+          </a:xfrm>
+          <a:noFill/>
+          <a:ln>
+            <a:noFill/>
+          </a:ln>
         </p:spPr>
         <p:txBody>
           <a:bodyPr>
@@ -5358,7 +5710,10 @@
           <a:p>
             <a:pPr algn="ctr"/>
             <a:r>
-              <a:rPr lang="en-US" sz="8800" dirty="0">
+              <a:rPr lang="en-US" sz="6000">
+                <a:solidFill>
+                  <a:srgbClr val="FFFFFF"/>
+                </a:solidFill>
                 <a:latin typeface="+mn-lt"/>
               </a:rPr>
               <a:t>That’s All Folks!! </a:t>
@@ -5406,10 +5761,10 @@
       </p:grpSpPr>
       <p:sp>
         <p:nvSpPr>
-          <p:cNvPr id="8" name="Rectangle 7">
-            <a:extLst>
-              <a:ext uri="{FF2B5EF4-FFF2-40B4-BE49-F238E27FC236}">
-                <a16:creationId xmlns:a16="http://schemas.microsoft.com/office/drawing/2014/main" id="{DC8C3900-B8A1-4965-88E6-CBCBFE067207}"/>
+          <p:cNvPr id="13" name="Rectangle 12">
+            <a:extLst>
+              <a:ext uri="{FF2B5EF4-FFF2-40B4-BE49-F238E27FC236}">
+                <a16:creationId xmlns:a16="http://schemas.microsoft.com/office/drawing/2014/main" id="{81AEB8A9-B768-4E30-BA55-D919E6687343}"/>
               </a:ext>
               <a:ext uri="{C183D7F6-B498-43B3-948B-1728B52AA6E4}">
                 <adec:decorative xmlns:adec="http://schemas.microsoft.com/office/drawing/2017/decorative" val="1"/>
@@ -5429,14 +5784,14 @@
         </p:nvSpPr>
         <p:spPr>
           <a:xfrm>
-            <a:off x="0" y="0"/>
-            <a:ext cx="5048250" cy="6858000"/>
+            <a:off x="-10001" y="-2"/>
+            <a:ext cx="4069936" cy="6858002"/>
           </a:xfrm>
           <a:prstGeom prst="rect">
             <a:avLst/>
           </a:prstGeom>
           <a:solidFill>
-            <a:schemeClr val="accent5"/>
+            <a:schemeClr val="accent1"/>
           </a:solidFill>
           <a:ln>
             <a:noFill/>
@@ -5462,8 +5817,37 @@
           <a:bodyPr rtlCol="0" anchor="ctr"/>
           <a:lstStyle/>
           <a:p>
-            <a:pPr algn="ctr"/>
-            <a:endParaRPr lang="en-US"/>
+            <a:pPr marL="0" marR="0" lvl="0" indent="0" algn="ctr" defTabSz="914400" rtl="0" eaLnBrk="1" fontAlgn="auto" latinLnBrk="0" hangingPunct="1">
+              <a:lnSpc>
+                <a:spcPct val="100000"/>
+              </a:lnSpc>
+              <a:spcBef>
+                <a:spcPts val="0"/>
+              </a:spcBef>
+              <a:spcAft>
+                <a:spcPts val="0"/>
+              </a:spcAft>
+              <a:buClrTx/>
+              <a:buSzTx/>
+              <a:buFontTx/>
+              <a:buNone/>
+              <a:tabLst/>
+              <a:defRPr/>
+            </a:pPr>
+            <a:endParaRPr kumimoji="0" lang="en-US" sz="1800" b="0" i="0" u="none" strike="noStrike" kern="1200" cap="none" spc="0" normalizeH="0" baseline="0" noProof="0">
+              <a:ln>
+                <a:noFill/>
+              </a:ln>
+              <a:solidFill>
+                <a:prstClr val="white"/>
+              </a:solidFill>
+              <a:effectLst/>
+              <a:uLnTx/>
+              <a:uFillTx/>
+              <a:latin typeface="Calibri" panose="020F0502020204030204"/>
+              <a:ea typeface="+mn-ea"/>
+              <a:cs typeface="+mn-cs"/>
+            </a:endParaRPr>
           </a:p>
         </p:txBody>
       </p:sp>
@@ -5485,12 +5869,12 @@
         </p:nvSpPr>
         <p:spPr>
           <a:xfrm>
-            <a:off x="838200" y="624568"/>
-            <a:ext cx="3766457" cy="5412920"/>
-          </a:xfrm>
-        </p:spPr>
-        <p:txBody>
-          <a:bodyPr>
+            <a:off x="643467" y="640080"/>
+            <a:ext cx="3096427" cy="5613236"/>
+          </a:xfrm>
+        </p:spPr>
+        <p:txBody>
+          <a:bodyPr anchor="ctr">
             <a:normAutofit/>
           </a:bodyPr>
           <a:lstStyle/>
@@ -5525,8 +5909,8 @@
         </p:nvSpPr>
         <p:spPr>
           <a:xfrm>
-            <a:off x="5600700" y="624568"/>
-            <a:ext cx="5753098" cy="5412920"/>
+            <a:off x="4699818" y="640082"/>
+            <a:ext cx="6848715" cy="2484884"/>
           </a:xfrm>
         </p:spPr>
         <p:txBody>
@@ -5539,7 +5923,7 @@
               <a:buNone/>
             </a:pPr>
             <a:r>
-              <a:rPr lang="en-US" sz="2400">
+              <a:rPr lang="en-US" sz="2000">
                 <a:latin typeface="+mj-lt"/>
               </a:rPr>
               <a:t>We want to see if there is any way to use machine learning to predict the effect of multiple variables on turnout times. The turnout time is the time between when a call is received at a station and when a unit leaves the station in response. </a:t>
@@ -5547,6 +5931,36 @@
           </a:p>
         </p:txBody>
       </p:sp>
+      <p:pic>
+        <p:nvPicPr>
+          <p:cNvPr id="5" name="Picture 4" descr="A screenshot of a cell phone&#10;&#10;Description automatically generated">
+            <a:extLst>
+              <a:ext uri="{FF2B5EF4-FFF2-40B4-BE49-F238E27FC236}">
+                <a16:creationId xmlns:a16="http://schemas.microsoft.com/office/drawing/2014/main" id="{A7850F92-4743-2644-84C6-03994C726AEC}"/>
+              </a:ext>
+            </a:extLst>
+          </p:cNvPr>
+          <p:cNvPicPr>
+            <a:picLocks noChangeAspect="1"/>
+          </p:cNvPicPr>
+          <p:nvPr/>
+        </p:nvPicPr>
+        <p:blipFill>
+          <a:blip r:embed="rId2"/>
+          <a:stretch>
+            <a:fillRect/>
+          </a:stretch>
+        </p:blipFill>
+        <p:spPr>
+          <a:xfrm>
+            <a:off x="4805605" y="3446698"/>
+            <a:ext cx="6591619" cy="2488335"/>
+          </a:xfrm>
+          <a:prstGeom prst="rect">
+            <a:avLst/>
+          </a:prstGeom>
+        </p:spPr>
+      </p:pic>
     </p:spTree>
     <p:extLst>
       <p:ext uri="{BB962C8B-B14F-4D97-AF65-F5344CB8AC3E}">
@@ -6180,6 +6594,179 @@
 </file>
 
 <file path=ppt/slides/slide5.xml><?xml version="1.0" encoding="utf-8"?>
+<p:sld xmlns:a="http://schemas.openxmlformats.org/drawingml/2006/main" xmlns:r="http://schemas.openxmlformats.org/officeDocument/2006/relationships" xmlns:p="http://schemas.openxmlformats.org/presentationml/2006/main">
+  <p:cSld>
+    <p:bg>
+      <p:bgPr>
+        <a:solidFill>
+          <a:schemeClr val="bg1"/>
+        </a:solidFill>
+        <a:effectLst/>
+      </p:bgPr>
+    </p:bg>
+    <p:spTree>
+      <p:nvGrpSpPr>
+        <p:cNvPr id="1" name=""/>
+        <p:cNvGrpSpPr/>
+        <p:nvPr/>
+      </p:nvGrpSpPr>
+      <p:grpSpPr>
+        <a:xfrm>
+          <a:off x="0" y="0"/>
+          <a:ext cx="0" cy="0"/>
+          <a:chOff x="0" y="0"/>
+          <a:chExt cx="0" cy="0"/>
+        </a:xfrm>
+      </p:grpSpPr>
+      <p:sp>
+        <p:nvSpPr>
+          <p:cNvPr id="9" name="Rectangle 8">
+            <a:extLst>
+              <a:ext uri="{FF2B5EF4-FFF2-40B4-BE49-F238E27FC236}">
+                <a16:creationId xmlns:a16="http://schemas.microsoft.com/office/drawing/2014/main" id="{1707FC24-6981-43D9-B525-C7832BA22463}"/>
+              </a:ext>
+              <a:ext uri="{C183D7F6-B498-43B3-948B-1728B52AA6E4}">
+                <adec:decorative xmlns:adec="http://schemas.microsoft.com/office/drawing/2017/decorative" val="1"/>
+              </a:ext>
+            </a:extLst>
+          </p:cNvPr>
+          <p:cNvSpPr>
+            <a:spLocks noGrp="1" noRot="1" noChangeAspect="1" noMove="1" noResize="1" noEditPoints="1" noAdjustHandles="1" noChangeArrowheads="1" noChangeShapeType="1" noTextEdit="1"/>
+          </p:cNvSpPr>
+          <p:nvPr>
+            <p:extLst>
+              <p:ext uri="{386F3935-93C4-4BCD-93E2-E3B085C9AB24}">
+                <p16:designElem xmlns:p16="http://schemas.microsoft.com/office/powerpoint/2015/main" val="1"/>
+              </p:ext>
+            </p:extLst>
+          </p:nvPr>
+        </p:nvSpPr>
+        <p:spPr bwMode="ltGray">
+          <a:xfrm>
+            <a:off x="336884" y="311449"/>
+            <a:ext cx="4332307" cy="6179552"/>
+          </a:xfrm>
+          <a:prstGeom prst="rect">
+            <a:avLst/>
+          </a:prstGeom>
+          <a:solidFill>
+            <a:srgbClr val="404040"/>
+          </a:solidFill>
+          <a:ln w="127000" cap="sq" cmpd="thinThick">
+            <a:solidFill>
+              <a:srgbClr val="404040"/>
+            </a:solidFill>
+          </a:ln>
+        </p:spPr>
+        <p:style>
+          <a:lnRef idx="2">
+            <a:schemeClr val="accent1">
+              <a:shade val="50000"/>
+            </a:schemeClr>
+          </a:lnRef>
+          <a:fillRef idx="1">
+            <a:schemeClr val="accent1"/>
+          </a:fillRef>
+          <a:effectRef idx="0">
+            <a:schemeClr val="accent1"/>
+          </a:effectRef>
+          <a:fontRef idx="minor">
+            <a:schemeClr val="lt1"/>
+          </a:fontRef>
+        </p:style>
+        <p:txBody>
+          <a:bodyPr rtlCol="0" anchor="ctr"/>
+          <a:lstStyle/>
+          <a:p>
+            <a:pPr algn="ctr"/>
+            <a:endParaRPr lang="en-US"/>
+          </a:p>
+        </p:txBody>
+      </p:sp>
+      <p:sp>
+        <p:nvSpPr>
+          <p:cNvPr id="2" name="Title 1">
+            <a:extLst>
+              <a:ext uri="{FF2B5EF4-FFF2-40B4-BE49-F238E27FC236}">
+                <a16:creationId xmlns:a16="http://schemas.microsoft.com/office/drawing/2014/main" id="{04E12DA5-6033-8243-8421-A580B61E4800}"/>
+              </a:ext>
+            </a:extLst>
+          </p:cNvPr>
+          <p:cNvSpPr>
+            <a:spLocks noGrp="1"/>
+          </p:cNvSpPr>
+          <p:nvPr>
+            <p:ph type="title"/>
+          </p:nvPr>
+        </p:nvSpPr>
+        <p:spPr>
+          <a:xfrm>
+            <a:off x="742950" y="742951"/>
+            <a:ext cx="3476625" cy="4962524"/>
+          </a:xfrm>
+        </p:spPr>
+        <p:txBody>
+          <a:bodyPr>
+            <a:normAutofit/>
+          </a:bodyPr>
+          <a:lstStyle/>
+          <a:p>
+            <a:pPr algn="ctr"/>
+            <a:r>
+              <a:rPr lang="en-US" sz="4800" dirty="0">
+                <a:solidFill>
+                  <a:srgbClr val="FFFFFF"/>
+                </a:solidFill>
+              </a:rPr>
+              <a:t>Microsoft Visio-Schematic</a:t>
+            </a:r>
+          </a:p>
+        </p:txBody>
+      </p:sp>
+      <p:pic>
+        <p:nvPicPr>
+          <p:cNvPr id="4" name="Picture 3" descr="A close up of a map&#10;&#10;Description automatically generated">
+            <a:extLst>
+              <a:ext uri="{FF2B5EF4-FFF2-40B4-BE49-F238E27FC236}">
+                <a16:creationId xmlns:a16="http://schemas.microsoft.com/office/drawing/2014/main" id="{540D6B8A-EDDF-9D46-B318-9AE26CDEDE31}"/>
+              </a:ext>
+            </a:extLst>
+          </p:cNvPr>
+          <p:cNvPicPr>
+            <a:picLocks noChangeAspect="1"/>
+          </p:cNvPicPr>
+          <p:nvPr/>
+        </p:nvPicPr>
+        <p:blipFill>
+          <a:blip r:embed="rId2"/>
+          <a:stretch>
+            <a:fillRect/>
+          </a:stretch>
+        </p:blipFill>
+        <p:spPr>
+          <a:xfrm>
+            <a:off x="5153822" y="918049"/>
+            <a:ext cx="6553545" cy="5029844"/>
+          </a:xfrm>
+          <a:prstGeom prst="rect">
+            <a:avLst/>
+          </a:prstGeom>
+        </p:spPr>
+      </p:pic>
+    </p:spTree>
+    <p:extLst>
+      <p:ext uri="{BB962C8B-B14F-4D97-AF65-F5344CB8AC3E}">
+        <p14:creationId xmlns:p14="http://schemas.microsoft.com/office/powerpoint/2010/main" val="994997061"/>
+      </p:ext>
+    </p:extLst>
+  </p:cSld>
+  <p:clrMapOvr>
+    <a:masterClrMapping/>
+  </p:clrMapOvr>
+</p:sld>
+</file>
+
+<file path=ppt/slides/slide6.xml><?xml version="1.0" encoding="utf-8"?>
 <p:sld xmlns:a="http://schemas.openxmlformats.org/drawingml/2006/main" xmlns:r="http://schemas.openxmlformats.org/officeDocument/2006/relationships" xmlns:p="http://schemas.openxmlformats.org/presentationml/2006/main">
   <p:cSld>
     <p:bg>
@@ -6704,217 +7291,6 @@
 </p:sld>
 </file>
 
-<file path=ppt/slides/slide6.xml><?xml version="1.0" encoding="utf-8"?>
-<p:sld xmlns:a="http://schemas.openxmlformats.org/drawingml/2006/main" xmlns:r="http://schemas.openxmlformats.org/officeDocument/2006/relationships" xmlns:p="http://schemas.openxmlformats.org/presentationml/2006/main">
-  <p:cSld>
-    <p:bg>
-      <p:bgPr>
-        <a:solidFill>
-          <a:schemeClr val="bg1"/>
-        </a:solidFill>
-        <a:effectLst/>
-      </p:bgPr>
-    </p:bg>
-    <p:spTree>
-      <p:nvGrpSpPr>
-        <p:cNvPr id="1" name=""/>
-        <p:cNvGrpSpPr/>
-        <p:nvPr/>
-      </p:nvGrpSpPr>
-      <p:grpSpPr>
-        <a:xfrm>
-          <a:off x="0" y="0"/>
-          <a:ext cx="0" cy="0"/>
-          <a:chOff x="0" y="0"/>
-          <a:chExt cx="0" cy="0"/>
-        </a:xfrm>
-      </p:grpSpPr>
-      <p:sp>
-        <p:nvSpPr>
-          <p:cNvPr id="12" name="Rectangle 9">
-            <a:extLst>
-              <a:ext uri="{FF2B5EF4-FFF2-40B4-BE49-F238E27FC236}">
-                <a16:creationId xmlns:a16="http://schemas.microsoft.com/office/drawing/2014/main" id="{30992ED3-FA99-4FAD-A3CA-2B9B3BB8B48E}"/>
-              </a:ext>
-              <a:ext uri="{C183D7F6-B498-43B3-948B-1728B52AA6E4}">
-                <adec:decorative xmlns:adec="http://schemas.microsoft.com/office/drawing/2017/decorative" val="1"/>
-              </a:ext>
-            </a:extLst>
-          </p:cNvPr>
-          <p:cNvSpPr>
-            <a:spLocks noGrp="1" noRot="1" noChangeAspect="1" noMove="1" noResize="1" noEditPoints="1" noAdjustHandles="1" noChangeArrowheads="1" noChangeShapeType="1" noTextEdit="1"/>
-          </p:cNvSpPr>
-          <p:nvPr>
-            <p:extLst>
-              <p:ext uri="{386F3935-93C4-4BCD-93E2-E3B085C9AB24}">
-                <p16:designElem xmlns:p16="http://schemas.microsoft.com/office/powerpoint/2015/main" val="1"/>
-              </p:ext>
-            </p:extLst>
-          </p:nvPr>
-        </p:nvSpPr>
-        <p:spPr>
-          <a:xfrm>
-            <a:off x="8119870" y="643467"/>
-            <a:ext cx="3424430" cy="5573182"/>
-          </a:xfrm>
-          <a:prstGeom prst="rect">
-            <a:avLst/>
-          </a:prstGeom>
-          <a:solidFill>
-            <a:schemeClr val="accent1"/>
-          </a:solidFill>
-          <a:ln>
-            <a:noFill/>
-          </a:ln>
-          <a:effectLst/>
-        </p:spPr>
-        <p:style>
-          <a:lnRef idx="1">
-            <a:schemeClr val="accent1"/>
-          </a:lnRef>
-          <a:fillRef idx="3">
-            <a:schemeClr val="accent1"/>
-          </a:fillRef>
-          <a:effectRef idx="2">
-            <a:schemeClr val="accent1"/>
-          </a:effectRef>
-          <a:fontRef idx="minor">
-            <a:schemeClr val="lt1"/>
-          </a:fontRef>
-        </p:style>
-      </p:sp>
-      <p:sp>
-        <p:nvSpPr>
-          <p:cNvPr id="2" name="Title 1">
-            <a:extLst>
-              <a:ext uri="{FF2B5EF4-FFF2-40B4-BE49-F238E27FC236}">
-                <a16:creationId xmlns:a16="http://schemas.microsoft.com/office/drawing/2014/main" id="{FDDEBC23-4A67-6546-A233-21C86C18FE10}"/>
-              </a:ext>
-            </a:extLst>
-          </p:cNvPr>
-          <p:cNvSpPr>
-            <a:spLocks noGrp="1"/>
-          </p:cNvSpPr>
-          <p:nvPr>
-            <p:ph type="title"/>
-          </p:nvPr>
-        </p:nvSpPr>
-        <p:spPr>
-          <a:xfrm>
-            <a:off x="8384458" y="996950"/>
-            <a:ext cx="2969342" cy="5028490"/>
-          </a:xfrm>
-        </p:spPr>
-        <p:txBody>
-          <a:bodyPr anchor="ctr">
-            <a:normAutofit/>
-          </a:bodyPr>
-          <a:lstStyle/>
-          <a:p>
-            <a:r>
-              <a:rPr lang="en-US">
-                <a:solidFill>
-                  <a:srgbClr val="FFFFFF"/>
-                </a:solidFill>
-                <a:latin typeface="+mn-lt"/>
-              </a:rPr>
-              <a:t>Where did we get the data? </a:t>
-            </a:r>
-          </a:p>
-        </p:txBody>
-      </p:sp>
-      <p:pic>
-        <p:nvPicPr>
-          <p:cNvPr id="5" name="Picture 4" descr="A screenshot of a social media post&#10;&#10;Description automatically generated">
-            <a:extLst>
-              <a:ext uri="{FF2B5EF4-FFF2-40B4-BE49-F238E27FC236}">
-                <a16:creationId xmlns:a16="http://schemas.microsoft.com/office/drawing/2014/main" id="{7584CEE1-FAEA-EE44-B52D-D8AD56A7C929}"/>
-              </a:ext>
-            </a:extLst>
-          </p:cNvPr>
-          <p:cNvPicPr>
-            <a:picLocks noChangeAspect="1"/>
-          </p:cNvPicPr>
-          <p:nvPr/>
-        </p:nvPicPr>
-        <p:blipFill>
-          <a:blip r:embed="rId2"/>
-          <a:stretch>
-            <a:fillRect/>
-          </a:stretch>
-        </p:blipFill>
-        <p:spPr>
-          <a:xfrm>
-            <a:off x="2039177" y="804334"/>
-            <a:ext cx="4270640" cy="2786592"/>
-          </a:xfrm>
-          <a:prstGeom prst="rect">
-            <a:avLst/>
-          </a:prstGeom>
-        </p:spPr>
-      </p:pic>
-      <p:sp>
-        <p:nvSpPr>
-          <p:cNvPr id="3" name="Content Placeholder 2">
-            <a:extLst>
-              <a:ext uri="{FF2B5EF4-FFF2-40B4-BE49-F238E27FC236}">
-                <a16:creationId xmlns:a16="http://schemas.microsoft.com/office/drawing/2014/main" id="{E6C0DA09-9295-9148-8426-D36A1F2D74C0}"/>
-              </a:ext>
-            </a:extLst>
-          </p:cNvPr>
-          <p:cNvSpPr>
-            <a:spLocks noGrp="1"/>
-          </p:cNvSpPr>
-          <p:nvPr>
-            <p:ph idx="1"/>
-          </p:nvPr>
-        </p:nvSpPr>
-        <p:spPr>
-          <a:xfrm>
-            <a:off x="814339" y="3905965"/>
-            <a:ext cx="6730320" cy="2308567"/>
-          </a:xfrm>
-        </p:spPr>
-        <p:txBody>
-          <a:bodyPr>
-            <a:normAutofit/>
-          </a:bodyPr>
-          <a:lstStyle/>
-          <a:p>
-            <a:r>
-              <a:rPr lang="en-US" sz="2000" dirty="0"/>
-              <a:t>For The Weather Data, we were able to download the data directly from NOAA’s site, and then compile it into a CSV in Excel. </a:t>
-            </a:r>
-          </a:p>
-          <a:p>
-            <a:r>
-              <a:rPr lang="en-US" sz="2000" dirty="0"/>
-              <a:t>File "</a:t>
-            </a:r>
-            <a:r>
-              <a:rPr lang="en-US" sz="2000" dirty="0" err="1"/>
-              <a:t>Conn_MSSQL</a:t>
-            </a:r>
-            <a:r>
-              <a:rPr lang="en-US" sz="2000" dirty="0"/>
-              <a:t>" contains the code we used to access the database through a VPN. Then we wrote a SQL server to extract the data into a csv file for the Call Data.</a:t>
-            </a:r>
-          </a:p>
-        </p:txBody>
-      </p:sp>
-    </p:spTree>
-    <p:extLst>
-      <p:ext uri="{BB962C8B-B14F-4D97-AF65-F5344CB8AC3E}">
-        <p14:creationId xmlns:p14="http://schemas.microsoft.com/office/powerpoint/2010/main" val="2656188645"/>
-      </p:ext>
-    </p:extLst>
-  </p:cSld>
-  <p:clrMapOvr>
-    <a:masterClrMapping/>
-  </p:clrMapOvr>
-</p:sld>
-</file>
-
 <file path=ppt/slides/slide7.xml><?xml version="1.0" encoding="utf-8"?>
 <p:sld xmlns:a="http://schemas.openxmlformats.org/drawingml/2006/main" xmlns:r="http://schemas.openxmlformats.org/officeDocument/2006/relationships" xmlns:p="http://schemas.openxmlformats.org/presentationml/2006/main">
   <p:cSld>
@@ -6942,10 +7318,10 @@
       </p:grpSpPr>
       <p:sp>
         <p:nvSpPr>
-          <p:cNvPr id="8" name="Rectangle 7">
-            <a:extLst>
-              <a:ext uri="{FF2B5EF4-FFF2-40B4-BE49-F238E27FC236}">
-                <a16:creationId xmlns:a16="http://schemas.microsoft.com/office/drawing/2014/main" id="{DE7FFD28-545C-4C88-A2E7-152FB234C92C}"/>
+          <p:cNvPr id="12" name="Rectangle 9">
+            <a:extLst>
+              <a:ext uri="{FF2B5EF4-FFF2-40B4-BE49-F238E27FC236}">
+                <a16:creationId xmlns:a16="http://schemas.microsoft.com/office/drawing/2014/main" id="{30992ED3-FA99-4FAD-A3CA-2B9B3BB8B48E}"/>
               </a:ext>
               <a:ext uri="{C183D7F6-B498-43B3-948B-1728B52AA6E4}">
                 <adec:decorative xmlns:adec="http://schemas.microsoft.com/office/drawing/2017/decorative" val="1"/>
@@ -6965,50 +7341,41 @@
         </p:nvSpPr>
         <p:spPr>
           <a:xfrm>
-            <a:off x="546100" y="349250"/>
-            <a:ext cx="11099800" cy="1803400"/>
+            <a:off x="8119870" y="643467"/>
+            <a:ext cx="3424430" cy="5573182"/>
           </a:xfrm>
           <a:prstGeom prst="rect">
             <a:avLst/>
           </a:prstGeom>
           <a:solidFill>
-            <a:schemeClr val="accent5"/>
+            <a:schemeClr val="accent1"/>
           </a:solidFill>
           <a:ln>
             <a:noFill/>
           </a:ln>
+          <a:effectLst/>
         </p:spPr>
         <p:style>
-          <a:lnRef idx="2">
-            <a:schemeClr val="accent1">
-              <a:shade val="50000"/>
-            </a:schemeClr>
+          <a:lnRef idx="1">
+            <a:schemeClr val="accent1"/>
           </a:lnRef>
-          <a:fillRef idx="1">
+          <a:fillRef idx="3">
             <a:schemeClr val="accent1"/>
           </a:fillRef>
-          <a:effectRef idx="0">
+          <a:effectRef idx="2">
             <a:schemeClr val="accent1"/>
           </a:effectRef>
           <a:fontRef idx="minor">
             <a:schemeClr val="lt1"/>
           </a:fontRef>
         </p:style>
-        <p:txBody>
-          <a:bodyPr rtlCol="0" anchor="ctr"/>
-          <a:lstStyle/>
-          <a:p>
-            <a:pPr algn="ctr"/>
-            <a:endParaRPr lang="en-US"/>
-          </a:p>
-        </p:txBody>
       </p:sp>
       <p:sp>
         <p:nvSpPr>
           <p:cNvPr id="2" name="Title 1">
             <a:extLst>
               <a:ext uri="{FF2B5EF4-FFF2-40B4-BE49-F238E27FC236}">
-                <a16:creationId xmlns:a16="http://schemas.microsoft.com/office/drawing/2014/main" id="{B84D033C-E306-FC42-8756-E7C6078C07E2}"/>
+                <a16:creationId xmlns:a16="http://schemas.microsoft.com/office/drawing/2014/main" id="{FDDEBC23-4A67-6546-A233-21C86C18FE10}"/>
               </a:ext>
             </a:extLst>
           </p:cNvPr>
@@ -7021,35 +7388,64 @@
         </p:nvSpPr>
         <p:spPr>
           <a:xfrm>
-            <a:off x="838200" y="588168"/>
-            <a:ext cx="10515600" cy="1325563"/>
-          </a:xfrm>
-        </p:spPr>
-        <p:txBody>
-          <a:bodyPr>
+            <a:off x="8384458" y="996950"/>
+            <a:ext cx="2969342" cy="5028490"/>
+          </a:xfrm>
+        </p:spPr>
+        <p:txBody>
+          <a:bodyPr anchor="ctr">
             <a:normAutofit/>
           </a:bodyPr>
           <a:lstStyle/>
           <a:p>
-            <a:pPr algn="ctr"/>
-            <a:r>
-              <a:rPr lang="en-US" sz="4600">
+            <a:r>
+              <a:rPr lang="en-US">
                 <a:solidFill>
                   <a:srgbClr val="FFFFFF"/>
                 </a:solidFill>
                 <a:latin typeface="+mn-lt"/>
               </a:rPr>
-              <a:t>Data Cleaning </a:t>
-            </a:r>
-          </a:p>
-        </p:txBody>
-      </p:sp>
+              <a:t>Where did we get the data? </a:t>
+            </a:r>
+          </a:p>
+        </p:txBody>
+      </p:sp>
+      <p:pic>
+        <p:nvPicPr>
+          <p:cNvPr id="5" name="Picture 4" descr="A screenshot of a social media post&#10;&#10;Description automatically generated">
+            <a:extLst>
+              <a:ext uri="{FF2B5EF4-FFF2-40B4-BE49-F238E27FC236}">
+                <a16:creationId xmlns:a16="http://schemas.microsoft.com/office/drawing/2014/main" id="{7584CEE1-FAEA-EE44-B52D-D8AD56A7C929}"/>
+              </a:ext>
+            </a:extLst>
+          </p:cNvPr>
+          <p:cNvPicPr>
+            <a:picLocks noChangeAspect="1"/>
+          </p:cNvPicPr>
+          <p:nvPr/>
+        </p:nvPicPr>
+        <p:blipFill>
+          <a:blip r:embed="rId2"/>
+          <a:stretch>
+            <a:fillRect/>
+          </a:stretch>
+        </p:blipFill>
+        <p:spPr>
+          <a:xfrm>
+            <a:off x="2039177" y="804334"/>
+            <a:ext cx="4270640" cy="2786592"/>
+          </a:xfrm>
+          <a:prstGeom prst="rect">
+            <a:avLst/>
+          </a:prstGeom>
+        </p:spPr>
+      </p:pic>
       <p:sp>
         <p:nvSpPr>
           <p:cNvPr id="3" name="Content Placeholder 2">
             <a:extLst>
               <a:ext uri="{FF2B5EF4-FFF2-40B4-BE49-F238E27FC236}">
-                <a16:creationId xmlns:a16="http://schemas.microsoft.com/office/drawing/2014/main" id="{33F18F72-AE43-6C40-9D5A-17383C17BCC5}"/>
+                <a16:creationId xmlns:a16="http://schemas.microsoft.com/office/drawing/2014/main" id="{E6C0DA09-9295-9148-8426-D36A1F2D74C0}"/>
               </a:ext>
             </a:extLst>
           </p:cNvPr>
@@ -7062,45 +7458,41 @@
         </p:nvSpPr>
         <p:spPr>
           <a:xfrm>
-            <a:off x="838200" y="2391568"/>
-            <a:ext cx="10515600" cy="3785394"/>
-          </a:xfrm>
-        </p:spPr>
-        <p:txBody>
-          <a:bodyPr anchor="ctr">
+            <a:off x="814339" y="3905965"/>
+            <a:ext cx="6730320" cy="2308567"/>
+          </a:xfrm>
+        </p:spPr>
+        <p:txBody>
+          <a:bodyPr>
             <a:normAutofit/>
           </a:bodyPr>
           <a:lstStyle/>
           <a:p>
             <a:r>
-              <a:rPr lang="en-US" sz="2400" dirty="0"/>
-              <a:t>For the data cleaning we used Python. This is when we concatenated both the Weather data and the Call Data. We used ”-” as a delimiter and pulled the station number out of the Unit ID.</a:t>
-            </a:r>
-          </a:p>
-          <a:p>
-            <a:r>
-              <a:rPr lang="en-US" sz="2400" dirty="0"/>
-              <a:t>Next we put our date columns into date time format then took the difference between unit turnaround time and dispatch time to find out how many seconds it took the unit to respond. We repeated this step to calculate unit travel time.</a:t>
-            </a:r>
-          </a:p>
-          <a:p>
-            <a:endParaRPr lang="en-US" sz="2400" dirty="0"/>
-          </a:p>
-          <a:p>
-            <a:endParaRPr lang="en-US" sz="2400" dirty="0"/>
-          </a:p>
-          <a:p>
-            <a:pPr marL="0" indent="0">
-              <a:buNone/>
-            </a:pPr>
-            <a:endParaRPr lang="en-US" sz="2400" dirty="0"/>
+              <a:rPr lang="en-US" sz="2000" dirty="0"/>
+              <a:t>For The Weather Data, we were able to download the data directly from NOAA’s site, and then compile it into a CSV in Excel. </a:t>
+            </a:r>
+          </a:p>
+          <a:p>
+            <a:r>
+              <a:rPr lang="en-US" sz="2000" dirty="0"/>
+              <a:t>File "</a:t>
+            </a:r>
+            <a:r>
+              <a:rPr lang="en-US" sz="2000" dirty="0" err="1"/>
+              <a:t>Conn_MSSQL</a:t>
+            </a:r>
+            <a:r>
+              <a:rPr lang="en-US" sz="2000" dirty="0"/>
+              <a:t>" contains the code we used to access the database through a VPN. Then we wrote a SQL server to extract the data into a csv file for the Call Data.</a:t>
+            </a:r>
           </a:p>
         </p:txBody>
       </p:sp>
     </p:spTree>
     <p:extLst>
       <p:ext uri="{BB962C8B-B14F-4D97-AF65-F5344CB8AC3E}">
-        <p14:creationId xmlns:p14="http://schemas.microsoft.com/office/powerpoint/2010/main" val="3314859934"/>
+        <p14:creationId xmlns:p14="http://schemas.microsoft.com/office/powerpoint/2010/main" val="2656188645"/>
       </p:ext>
     </p:extLst>
   </p:cSld>
@@ -7203,7 +7595,7 @@
           <p:cNvPr id="2" name="Title 1">
             <a:extLst>
               <a:ext uri="{FF2B5EF4-FFF2-40B4-BE49-F238E27FC236}">
-                <a16:creationId xmlns:a16="http://schemas.microsoft.com/office/drawing/2014/main" id="{62B56D68-965B-0344-8F42-77F15A6FB7BD}"/>
+                <a16:creationId xmlns:a16="http://schemas.microsoft.com/office/drawing/2014/main" id="{B84D033C-E306-FC42-8756-E7C6078C07E2}"/>
               </a:ext>
             </a:extLst>
           </p:cNvPr>
@@ -7234,7 +7626,7 @@
                 </a:solidFill>
                 <a:latin typeface="+mn-lt"/>
               </a:rPr>
-              <a:t>Data Cleaning Con.</a:t>
+              <a:t>Data Cleaning </a:t>
             </a:r>
           </a:p>
         </p:txBody>
@@ -7244,7 +7636,7 @@
           <p:cNvPr id="3" name="Content Placeholder 2">
             <a:extLst>
               <a:ext uri="{FF2B5EF4-FFF2-40B4-BE49-F238E27FC236}">
-                <a16:creationId xmlns:a16="http://schemas.microsoft.com/office/drawing/2014/main" id="{029B08AF-B266-BE40-A220-3E43FB772FC9}"/>
+                <a16:creationId xmlns:a16="http://schemas.microsoft.com/office/drawing/2014/main" id="{33F18F72-AE43-6C40-9D5A-17383C17BCC5}"/>
               </a:ext>
             </a:extLst>
           </p:cNvPr>
@@ -7269,59 +7661,33 @@
           <a:p>
             <a:r>
               <a:rPr lang="en-US" sz="2400" dirty="0"/>
-              <a:t>We then needed to pull in weather data for the time period in our dataset in order to see if weather had an affect on turn around times. </a:t>
+              <a:t>For the data cleaning we used Python. This is when we concatenated both the Weather data and the Call Data. We used ”-” as a delimiter and pulled the station number out of the Unit ID.</a:t>
             </a:r>
           </a:p>
           <a:p>
             <a:r>
               <a:rPr lang="en-US" sz="2400" dirty="0"/>
-              <a:t>We merged the </a:t>
-            </a:r>
-            <a:r>
-              <a:rPr lang="en-US" sz="2400" dirty="0" err="1"/>
-              <a:t>TurnOutTime</a:t>
-            </a:r>
-            <a:r>
-              <a:rPr lang="en-US" sz="2400" dirty="0"/>
-              <a:t> </a:t>
-            </a:r>
-            <a:r>
-              <a:rPr lang="en-US" sz="2400" dirty="0" err="1"/>
-              <a:t>dataframe</a:t>
-            </a:r>
-            <a:r>
-              <a:rPr lang="en-US" sz="2400" dirty="0"/>
-              <a:t> and the </a:t>
-            </a:r>
-            <a:r>
-              <a:rPr lang="en-US" sz="2400" dirty="0" err="1"/>
-              <a:t>TravelTime</a:t>
-            </a:r>
-            <a:r>
-              <a:rPr lang="en-US" sz="2400" dirty="0"/>
-              <a:t> </a:t>
-            </a:r>
-            <a:r>
-              <a:rPr lang="en-US" sz="2400" dirty="0" err="1"/>
-              <a:t>dataframe</a:t>
-            </a:r>
-            <a:r>
-              <a:rPr lang="en-US" sz="2400" dirty="0"/>
-              <a:t> with our weather data frame and cast the dates into datetime format.</a:t>
-            </a:r>
-          </a:p>
-          <a:p>
-            <a:r>
-              <a:rPr lang="en-US" sz="2400" dirty="0"/>
-              <a:t>We then needed to categorize a few things in order to perform machine learning. To do this we created two dictionaries. One to categorize the time of day based on the hour of the call into "Day", "Night", or "Evening". We categorized incident codes by type of incident as well. </a:t>
-            </a:r>
+              <a:t>Next we put our date columns into date time format then took the difference between unit turnaround time and dispatch time to find out how many seconds it took the unit to respond. We repeated this step to calculate unit travel time.</a:t>
+            </a:r>
+          </a:p>
+          <a:p>
+            <a:endParaRPr lang="en-US" sz="2400" dirty="0"/>
+          </a:p>
+          <a:p>
+            <a:endParaRPr lang="en-US" sz="2400" dirty="0"/>
+          </a:p>
+          <a:p>
+            <a:pPr marL="0" indent="0">
+              <a:buNone/>
+            </a:pPr>
+            <a:endParaRPr lang="en-US" sz="2400" dirty="0"/>
           </a:p>
         </p:txBody>
       </p:sp>
     </p:spTree>
     <p:extLst>
       <p:ext uri="{BB962C8B-B14F-4D97-AF65-F5344CB8AC3E}">
-        <p14:creationId xmlns:p14="http://schemas.microsoft.com/office/powerpoint/2010/main" val="2108899058"/>
+        <p14:creationId xmlns:p14="http://schemas.microsoft.com/office/powerpoint/2010/main" val="3314859934"/>
       </p:ext>
     </p:extLst>
   </p:cSld>
@@ -7358,10 +7724,10 @@
       </p:grpSpPr>
       <p:sp>
         <p:nvSpPr>
-          <p:cNvPr id="10" name="Rectangle 7">
-            <a:extLst>
-              <a:ext uri="{FF2B5EF4-FFF2-40B4-BE49-F238E27FC236}">
-                <a16:creationId xmlns:a16="http://schemas.microsoft.com/office/drawing/2014/main" id="{F73237BA-B351-4CD4-898F-CF296CA2D418}"/>
+          <p:cNvPr id="8" name="Rectangle 7">
+            <a:extLst>
+              <a:ext uri="{FF2B5EF4-FFF2-40B4-BE49-F238E27FC236}">
+                <a16:creationId xmlns:a16="http://schemas.microsoft.com/office/drawing/2014/main" id="{DE7FFD28-545C-4C88-A2E7-152FB234C92C}"/>
               </a:ext>
               <a:ext uri="{C183D7F6-B498-43B3-948B-1728B52AA6E4}">
                 <adec:decorative xmlns:adec="http://schemas.microsoft.com/office/drawing/2017/decorative" val="1"/>
@@ -7381,14 +7747,14 @@
         </p:nvSpPr>
         <p:spPr>
           <a:xfrm>
-            <a:off x="555625" y="381000"/>
-            <a:ext cx="11080750" cy="5759450"/>
+            <a:off x="546100" y="349250"/>
+            <a:ext cx="11099800" cy="1803400"/>
           </a:xfrm>
           <a:prstGeom prst="rect">
             <a:avLst/>
           </a:prstGeom>
           <a:solidFill>
-            <a:schemeClr val="accent1"/>
+            <a:schemeClr val="accent5"/>
           </a:solidFill>
           <a:ln>
             <a:noFill/>
@@ -7424,7 +7790,7 @@
           <p:cNvPr id="2" name="Title 1">
             <a:extLst>
               <a:ext uri="{FF2B5EF4-FFF2-40B4-BE49-F238E27FC236}">
-                <a16:creationId xmlns:a16="http://schemas.microsoft.com/office/drawing/2014/main" id="{E88551B5-3D4D-B940-852C-C465E5CFFFD1}"/>
+                <a16:creationId xmlns:a16="http://schemas.microsoft.com/office/drawing/2014/main" id="{62B56D68-965B-0344-8F42-77F15A6FB7BD}"/>
               </a:ext>
             </a:extLst>
           </p:cNvPr>
@@ -7437,24 +7803,25 @@
         </p:nvSpPr>
         <p:spPr>
           <a:xfrm>
-            <a:off x="958850" y="717550"/>
-            <a:ext cx="3767328" cy="5095421"/>
-          </a:xfrm>
-        </p:spPr>
-        <p:txBody>
-          <a:bodyPr anchor="ctr">
+            <a:off x="838200" y="588168"/>
+            <a:ext cx="10515600" cy="1325563"/>
+          </a:xfrm>
+        </p:spPr>
+        <p:txBody>
+          <a:bodyPr>
             <a:normAutofit/>
           </a:bodyPr>
           <a:lstStyle/>
           <a:p>
-            <a:r>
-              <a:rPr lang="en-US">
+            <a:pPr algn="ctr"/>
+            <a:r>
+              <a:rPr lang="en-US" sz="4600">
                 <a:solidFill>
                   <a:srgbClr val="FFFFFF"/>
                 </a:solidFill>
                 <a:latin typeface="+mn-lt"/>
               </a:rPr>
-              <a:t>Machine Learning</a:t>
+              <a:t>Data Cleaning Con.</a:t>
             </a:r>
           </a:p>
         </p:txBody>
@@ -7464,7 +7831,7 @@
           <p:cNvPr id="3" name="Content Placeholder 2">
             <a:extLst>
               <a:ext uri="{FF2B5EF4-FFF2-40B4-BE49-F238E27FC236}">
-                <a16:creationId xmlns:a16="http://schemas.microsoft.com/office/drawing/2014/main" id="{279509C3-CF28-5148-B9AA-701167E60776}"/>
+                <a16:creationId xmlns:a16="http://schemas.microsoft.com/office/drawing/2014/main" id="{029B08AF-B266-BE40-A220-3E43FB772FC9}"/>
               </a:ext>
             </a:extLst>
           </p:cNvPr>
@@ -7477,8 +7844,8 @@
         </p:nvSpPr>
         <p:spPr>
           <a:xfrm>
-            <a:off x="5333999" y="717550"/>
-            <a:ext cx="5899151" cy="5095421"/>
+            <a:off x="838200" y="2391568"/>
+            <a:ext cx="10515600" cy="3785394"/>
           </a:xfrm>
         </p:spPr>
         <p:txBody>
@@ -7488,42 +7855,52 @@
           <a:lstStyle/>
           <a:p>
             <a:r>
-              <a:rPr lang="en-US" sz="2200">
-                <a:solidFill>
-                  <a:srgbClr val="FFFFFF"/>
-                </a:solidFill>
-              </a:rPr>
-              <a:t>We started by using OneHotEncoder to categorize Time of Day and Station Number. We then merged the two dataframes with the binary information.</a:t>
-            </a:r>
-          </a:p>
-          <a:p>
-            <a:r>
-              <a:rPr lang="en-US" sz="2200">
-                <a:solidFill>
-                  <a:srgbClr val="FFFFFF"/>
-                </a:solidFill>
-              </a:rPr>
-              <a:t>We then assigned our x and y and fed them into the train test learn function to show our prediction.</a:t>
-            </a:r>
-          </a:p>
-          <a:p>
-            <a:r>
-              <a:rPr lang="en-US" sz="2200">
-                <a:solidFill>
-                  <a:srgbClr val="FFFFFF"/>
-                </a:solidFill>
-              </a:rPr>
-              <a:t>We ran a random forest regression. This showed that no strong correlation could be found to predict if weather has an impact on Turn Around Time.</a:t>
-            </a:r>
-          </a:p>
-          <a:p>
-            <a:r>
-              <a:rPr lang="en-US" sz="2200">
-                <a:solidFill>
-                  <a:srgbClr val="FFFFFF"/>
-                </a:solidFill>
-              </a:rPr>
-              <a:t>We ran features importance function to show how the machine is weighting each feature. We also used rf.predict to show some of our predicted values.</a:t>
+              <a:rPr lang="en-US" sz="2400" dirty="0"/>
+              <a:t>We then needed to pull in weather data for the time period in our dataset in order to see if weather had an affect on turn out times. </a:t>
+            </a:r>
+          </a:p>
+          <a:p>
+            <a:r>
+              <a:rPr lang="en-US" sz="2400" dirty="0"/>
+              <a:t>We merged the </a:t>
+            </a:r>
+            <a:r>
+              <a:rPr lang="en-US" sz="2400" dirty="0" err="1"/>
+              <a:t>TurnOutTime</a:t>
+            </a:r>
+            <a:r>
+              <a:rPr lang="en-US" sz="2400" dirty="0"/>
+              <a:t> </a:t>
+            </a:r>
+            <a:r>
+              <a:rPr lang="en-US" sz="2400" dirty="0" err="1"/>
+              <a:t>dataframe</a:t>
+            </a:r>
+            <a:r>
+              <a:rPr lang="en-US" sz="2400" dirty="0"/>
+              <a:t> and the </a:t>
+            </a:r>
+            <a:r>
+              <a:rPr lang="en-US" sz="2400" dirty="0" err="1"/>
+              <a:t>TravelTime</a:t>
+            </a:r>
+            <a:r>
+              <a:rPr lang="en-US" sz="2400" dirty="0"/>
+              <a:t> </a:t>
+            </a:r>
+            <a:r>
+              <a:rPr lang="en-US" sz="2400" dirty="0" err="1"/>
+              <a:t>dataframe</a:t>
+            </a:r>
+            <a:r>
+              <a:rPr lang="en-US" sz="2400" dirty="0"/>
+              <a:t> with our weather data frame and cast the dates into datetime format.</a:t>
+            </a:r>
+          </a:p>
+          <a:p>
+            <a:r>
+              <a:rPr lang="en-US" sz="2400" dirty="0"/>
+              <a:t>We then needed to categorize a few things in order to perform machine learning. To do this we created two dictionaries. One to categorize the time of day based on the hour of the call into "Day", "Night", or "Evening". We categorized incident codes by type of incident as well. </a:t>
             </a:r>
           </a:p>
         </p:txBody>
@@ -7531,7 +7908,7 @@
     </p:spTree>
     <p:extLst>
       <p:ext uri="{BB962C8B-B14F-4D97-AF65-F5344CB8AC3E}">
-        <p14:creationId xmlns:p14="http://schemas.microsoft.com/office/powerpoint/2010/main" val="3091339269"/>
+        <p14:creationId xmlns:p14="http://schemas.microsoft.com/office/powerpoint/2010/main" val="2108899058"/>
       </p:ext>
     </p:extLst>
   </p:cSld>
